--- a/Poster/A3D3_GW Glitch UW poster.pptx
+++ b/Poster/A3D3_GW Glitch UW poster.pptx
@@ -294,7 +294,7 @@
           <a:p>
             <a:fld id="{BDFE1444-C34C-AD43-8DDF-A21EF4E7181D}" type="datetimeFigureOut">
               <a:rPr lang="en-US" smtClean="0"/>
-              <a:t>7/5/2023</a:t>
+              <a:t>7/8/2023</a:t>
             </a:fld>
             <a:endParaRPr lang="en-US" dirty="0"/>
           </a:p>
@@ -464,7 +464,7 @@
           <a:p>
             <a:fld id="{BDFE1444-C34C-AD43-8DDF-A21EF4E7181D}" type="datetimeFigureOut">
               <a:rPr lang="en-US" smtClean="0"/>
-              <a:t>7/5/2023</a:t>
+              <a:t>7/8/2023</a:t>
             </a:fld>
             <a:endParaRPr lang="en-US" dirty="0"/>
           </a:p>
@@ -644,7 +644,7 @@
           <a:p>
             <a:fld id="{BDFE1444-C34C-AD43-8DDF-A21EF4E7181D}" type="datetimeFigureOut">
               <a:rPr lang="en-US" smtClean="0"/>
-              <a:t>7/5/2023</a:t>
+              <a:t>7/8/2023</a:t>
             </a:fld>
             <a:endParaRPr lang="en-US" dirty="0"/>
           </a:p>
@@ -814,7 +814,7 @@
           <a:p>
             <a:fld id="{BDFE1444-C34C-AD43-8DDF-A21EF4E7181D}" type="datetimeFigureOut">
               <a:rPr lang="en-US" smtClean="0"/>
-              <a:t>7/5/2023</a:t>
+              <a:t>7/8/2023</a:t>
             </a:fld>
             <a:endParaRPr lang="en-US" dirty="0"/>
           </a:p>
@@ -1058,7 +1058,7 @@
           <a:p>
             <a:fld id="{BDFE1444-C34C-AD43-8DDF-A21EF4E7181D}" type="datetimeFigureOut">
               <a:rPr lang="en-US" smtClean="0"/>
-              <a:t>7/5/2023</a:t>
+              <a:t>7/8/2023</a:t>
             </a:fld>
             <a:endParaRPr lang="en-US" dirty="0"/>
           </a:p>
@@ -1290,7 +1290,7 @@
           <a:p>
             <a:fld id="{BDFE1444-C34C-AD43-8DDF-A21EF4E7181D}" type="datetimeFigureOut">
               <a:rPr lang="en-US" smtClean="0"/>
-              <a:t>7/5/2023</a:t>
+              <a:t>7/8/2023</a:t>
             </a:fld>
             <a:endParaRPr lang="en-US" dirty="0"/>
           </a:p>
@@ -1657,7 +1657,7 @@
           <a:p>
             <a:fld id="{BDFE1444-C34C-AD43-8DDF-A21EF4E7181D}" type="datetimeFigureOut">
               <a:rPr lang="en-US" smtClean="0"/>
-              <a:t>7/5/2023</a:t>
+              <a:t>7/8/2023</a:t>
             </a:fld>
             <a:endParaRPr lang="en-US" dirty="0"/>
           </a:p>
@@ -1775,7 +1775,7 @@
           <a:p>
             <a:fld id="{BDFE1444-C34C-AD43-8DDF-A21EF4E7181D}" type="datetimeFigureOut">
               <a:rPr lang="en-US" smtClean="0"/>
-              <a:t>7/5/2023</a:t>
+              <a:t>7/8/2023</a:t>
             </a:fld>
             <a:endParaRPr lang="en-US" dirty="0"/>
           </a:p>
@@ -1870,7 +1870,7 @@
           <a:p>
             <a:fld id="{BDFE1444-C34C-AD43-8DDF-A21EF4E7181D}" type="datetimeFigureOut">
               <a:rPr lang="en-US" smtClean="0"/>
-              <a:t>7/5/2023</a:t>
+              <a:t>7/8/2023</a:t>
             </a:fld>
             <a:endParaRPr lang="en-US" dirty="0"/>
           </a:p>
@@ -2147,7 +2147,7 @@
           <a:p>
             <a:fld id="{BDFE1444-C34C-AD43-8DDF-A21EF4E7181D}" type="datetimeFigureOut">
               <a:rPr lang="en-US" smtClean="0"/>
-              <a:t>7/5/2023</a:t>
+              <a:t>7/8/2023</a:t>
             </a:fld>
             <a:endParaRPr lang="en-US" dirty="0"/>
           </a:p>
@@ -2404,7 +2404,7 @@
           <a:p>
             <a:fld id="{BDFE1444-C34C-AD43-8DDF-A21EF4E7181D}" type="datetimeFigureOut">
               <a:rPr lang="en-US" smtClean="0"/>
-              <a:t>7/5/2023</a:t>
+              <a:t>7/8/2023</a:t>
             </a:fld>
             <a:endParaRPr lang="en-US" dirty="0"/>
           </a:p>
@@ -2617,7 +2617,7 @@
           <a:p>
             <a:fld id="{BDFE1444-C34C-AD43-8DDF-A21EF4E7181D}" type="datetimeFigureOut">
               <a:rPr lang="en-US" smtClean="0"/>
-              <a:t>7/5/2023</a:t>
+              <a:t>7/8/2023</a:t>
             </a:fld>
             <a:endParaRPr lang="en-US" dirty="0"/>
           </a:p>
@@ -3132,7 +3132,7 @@
           <a:p>
             <a:pPr algn="l"/>
             <a:r>
-              <a:rPr lang="en-US" sz="9600" b="1" dirty="0">
+              <a:rPr lang="en-US" sz="8500" b="1" dirty="0">
                 <a:solidFill>
                   <a:srgbClr val="FFFFFF"/>
                 </a:solidFill>
@@ -3153,8 +3153,8 @@
         </p:nvSpPr>
         <p:spPr>
           <a:xfrm>
-            <a:off x="22402800" y="914400"/>
-            <a:ext cx="9601200" cy="1815882"/>
+            <a:off x="20574000" y="914400"/>
+            <a:ext cx="11430000" cy="2123658"/>
           </a:xfrm>
           <a:prstGeom prst="rect">
             <a:avLst/>
@@ -3169,7 +3169,7 @@
           <a:p>
             <a:pPr algn="r"/>
             <a:r>
-              <a:rPr lang="en-US" sz="4000" dirty="0">
+              <a:rPr lang="en-US" sz="5600" dirty="0">
                 <a:solidFill>
                   <a:srgbClr val="FFFFFF"/>
                 </a:solidFill>
@@ -3180,7 +3180,7 @@
               <a:t>Daniel Fredin</a:t>
             </a:r>
             <a:r>
-              <a:rPr lang="en-US" sz="4000" baseline="30000" dirty="0">
+              <a:rPr lang="en-US" sz="5600" baseline="30000" dirty="0">
                 <a:solidFill>
                   <a:srgbClr val="FFFFFF"/>
                 </a:solidFill>
@@ -3191,7 +3191,7 @@
               <a:t>1</a:t>
             </a:r>
             <a:r>
-              <a:rPr lang="en-US" sz="4000" dirty="0">
+              <a:rPr lang="en-US" sz="5600" dirty="0">
                 <a:solidFill>
                   <a:srgbClr val="FFFFFF"/>
                 </a:solidFill>
@@ -3202,7 +3202,7 @@
               <a:t>, Cole Welch</a:t>
             </a:r>
             <a:r>
-              <a:rPr lang="en-US" sz="4000" baseline="30000" dirty="0">
+              <a:rPr lang="en-US" sz="5600" baseline="30000" dirty="0">
                 <a:solidFill>
                   <a:srgbClr val="FFFFFF"/>
                 </a:solidFill>
@@ -3216,7 +3216,7 @@
           <a:p>
             <a:pPr algn="r"/>
             <a:r>
-              <a:rPr lang="en-US" sz="3200" i="1" baseline="30000" dirty="0">
+              <a:rPr lang="en-US" sz="3600" i="1" baseline="30000" dirty="0">
                 <a:solidFill>
                   <a:srgbClr val="FFFFFF"/>
                 </a:solidFill>
@@ -3227,7 +3227,7 @@
               <a:t>1</a:t>
             </a:r>
             <a:r>
-              <a:rPr lang="en-US" sz="3200" i="1" dirty="0">
+              <a:rPr lang="en-US" sz="3600" i="1" dirty="0">
                 <a:solidFill>
                   <a:srgbClr val="FFFFFF"/>
                 </a:solidFill>
